--- a/sd/qa/unit/data/pptx/smartart-picture-strip.pptx
+++ b/sd/qa/unit/data/pptx/smartart-picture-strip.pptx
@@ -942,6 +942,43 @@
         </a:p>
       </dgm:t>
     </dgm:pt>
+    <dgm:pt modelId="{2AD22C76-D048-4799-969B-29D5448DC1B9}">
+      <dgm:prSet phldrT="[Text]"/>
+      <dgm:spPr/>
+      <dgm:t>
+        <a:bodyPr/>
+        <a:lstStyle/>
+        <a:p>
+          <a:r>
+            <a:rPr lang="en-US" dirty="0" smtClean="0"/>
+            <a:t>C</a:t>
+          </a:r>
+          <a:endParaRPr lang="en-US" dirty="0"/>
+        </a:p>
+      </dgm:t>
+    </dgm:pt>
+    <dgm:pt modelId="{B856EC74-5923-4928-8B90-112927FA1FF8}" type="parTrans" cxnId="{18CE7C0F-3887-4526-B121-73AEADD79B61}">
+      <dgm:prSet/>
+      <dgm:spPr/>
+      <dgm:t>
+        <a:bodyPr/>
+        <a:lstStyle/>
+        <a:p>
+          <a:endParaRPr lang="en-US"/>
+        </a:p>
+      </dgm:t>
+    </dgm:pt>
+    <dgm:pt modelId="{289A3E40-98C1-4F9F-B3CA-7C964BEADC29}" type="sibTrans" cxnId="{18CE7C0F-3887-4526-B121-73AEADD79B61}">
+      <dgm:prSet/>
+      <dgm:spPr/>
+      <dgm:t>
+        <a:bodyPr/>
+        <a:lstStyle/>
+        <a:p>
+          <a:endParaRPr lang="en-US"/>
+        </a:p>
+      </dgm:t>
+    </dgm:pt>
     <dgm:pt modelId="{A1720E84-3BC0-4F19-944F-1AE5DFB3D66E}" type="pres">
       <dgm:prSet presAssocID="{8B7E5F79-0A9E-4878-8BD8-CCC7B1EB4A29}" presName="Name0" presStyleCnt="0">
         <dgm:presLayoutVars>
@@ -950,21 +987,35 @@
         </dgm:presLayoutVars>
       </dgm:prSet>
       <dgm:spPr/>
+      <dgm:t>
+        <a:bodyPr/>
+        <a:lstStyle/>
+        <a:p>
+          <a:endParaRPr lang="en-US"/>
+        </a:p>
+      </dgm:t>
     </dgm:pt>
     <dgm:pt modelId="{2A51146D-EE18-4929-8268-A6A5BA2DC20C}" type="pres">
       <dgm:prSet presAssocID="{6C48A404-2A3A-41E9-9551-8F4435666C27}" presName="composite" presStyleCnt="0"/>
       <dgm:spPr/>
     </dgm:pt>
     <dgm:pt modelId="{7E7AB9D8-99CC-4DBB-BA44-73B391D36B9E}" type="pres">
-      <dgm:prSet presAssocID="{6C48A404-2A3A-41E9-9551-8F4435666C27}" presName="rect1" presStyleLbl="trAlignAcc1" presStyleIdx="0" presStyleCnt="2">
+      <dgm:prSet presAssocID="{6C48A404-2A3A-41E9-9551-8F4435666C27}" presName="rect1" presStyleLbl="trAlignAcc1" presStyleIdx="0" presStyleCnt="3">
         <dgm:presLayoutVars>
           <dgm:bulletEnabled val="1"/>
         </dgm:presLayoutVars>
       </dgm:prSet>
       <dgm:spPr/>
+      <dgm:t>
+        <a:bodyPr/>
+        <a:lstStyle/>
+        <a:p>
+          <a:endParaRPr lang="en-US"/>
+        </a:p>
+      </dgm:t>
     </dgm:pt>
     <dgm:pt modelId="{44792CB7-8371-4135-AD15-B12EBD420003}" type="pres">
-      <dgm:prSet presAssocID="{6C48A404-2A3A-41E9-9551-8F4435666C27}" presName="rect2" presStyleLbl="fgImgPlace1" presStyleIdx="0" presStyleCnt="2"/>
+      <dgm:prSet presAssocID="{6C48A404-2A3A-41E9-9551-8F4435666C27}" presName="rect2" presStyleLbl="fgImgPlace1" presStyleIdx="0" presStyleCnt="3"/>
       <dgm:spPr>
         <a:blipFill>
           <a:blip xmlns:r="http://schemas.openxmlformats.org/officeDocument/2006/relationships" r:embed="rId1">
@@ -980,6 +1031,13 @@
           </a:stretch>
         </a:blipFill>
       </dgm:spPr>
+      <dgm:t>
+        <a:bodyPr/>
+        <a:lstStyle/>
+        <a:p>
+          <a:endParaRPr lang="en-US"/>
+        </a:p>
+      </dgm:t>
     </dgm:pt>
     <dgm:pt modelId="{5F1C1BA8-DB31-470A-A607-4CB3B9772938}" type="pres">
       <dgm:prSet presAssocID="{41EDF22C-EA53-4F09-ADDE-88EFF27DD7B2}" presName="sibTrans" presStyleCnt="0"/>
@@ -990,15 +1048,22 @@
       <dgm:spPr/>
     </dgm:pt>
     <dgm:pt modelId="{B289A356-FE39-47ED-BB52-2F8CC40EB54B}" type="pres">
-      <dgm:prSet presAssocID="{6E36731A-BABB-4BC5-8885-2755F9701CF3}" presName="rect1" presStyleLbl="trAlignAcc1" presStyleIdx="1" presStyleCnt="2">
+      <dgm:prSet presAssocID="{6E36731A-BABB-4BC5-8885-2755F9701CF3}" presName="rect1" presStyleLbl="trAlignAcc1" presStyleIdx="1" presStyleCnt="3">
         <dgm:presLayoutVars>
           <dgm:bulletEnabled val="1"/>
         </dgm:presLayoutVars>
       </dgm:prSet>
       <dgm:spPr/>
+      <dgm:t>
+        <a:bodyPr/>
+        <a:lstStyle/>
+        <a:p>
+          <a:endParaRPr lang="en-US"/>
+        </a:p>
+      </dgm:t>
     </dgm:pt>
     <dgm:pt modelId="{6973D5E7-EF2D-4AD8-9D7E-BABA122939BD}" type="pres">
-      <dgm:prSet presAssocID="{6E36731A-BABB-4BC5-8885-2755F9701CF3}" presName="rect2" presStyleLbl="fgImgPlace1" presStyleIdx="1" presStyleCnt="2"/>
+      <dgm:prSet presAssocID="{6E36731A-BABB-4BC5-8885-2755F9701CF3}" presName="rect2" presStyleLbl="fgImgPlace1" presStyleIdx="1" presStyleCnt="3"/>
       <dgm:spPr>
         <a:blipFill>
           <a:blip xmlns:r="http://schemas.openxmlformats.org/officeDocument/2006/relationships" r:embed="rId2">
@@ -1014,14 +1079,71 @@
           </a:stretch>
         </a:blipFill>
       </dgm:spPr>
+      <dgm:t>
+        <a:bodyPr/>
+        <a:lstStyle/>
+        <a:p>
+          <a:endParaRPr lang="en-US"/>
+        </a:p>
+      </dgm:t>
+    </dgm:pt>
+    <dgm:pt modelId="{B41CACB0-B670-4C81-AFA5-52DA8F9F2FC6}" type="pres">
+      <dgm:prSet presAssocID="{318E85FB-D67A-4E7D-BBEF-3BE719356DA9}" presName="sibTrans" presStyleCnt="0"/>
+      <dgm:spPr/>
+    </dgm:pt>
+    <dgm:pt modelId="{FA01C431-2C88-4AD3-AA8B-98CE287A77DF}" type="pres">
+      <dgm:prSet presAssocID="{2AD22C76-D048-4799-969B-29D5448DC1B9}" presName="composite" presStyleCnt="0"/>
+      <dgm:spPr/>
+    </dgm:pt>
+    <dgm:pt modelId="{D9A904C1-E1C3-4371-BE78-9DC3909244BF}" type="pres">
+      <dgm:prSet presAssocID="{2AD22C76-D048-4799-969B-29D5448DC1B9}" presName="rect1" presStyleLbl="trAlignAcc1" presStyleIdx="2" presStyleCnt="3">
+        <dgm:presLayoutVars>
+          <dgm:bulletEnabled val="1"/>
+        </dgm:presLayoutVars>
+      </dgm:prSet>
+      <dgm:spPr/>
+      <dgm:t>
+        <a:bodyPr/>
+        <a:lstStyle/>
+        <a:p>
+          <a:endParaRPr lang="en-US"/>
+        </a:p>
+      </dgm:t>
+    </dgm:pt>
+    <dgm:pt modelId="{F7720D7A-E5C7-4DAF-82BA-B43BECB5DE65}" type="pres">
+      <dgm:prSet presAssocID="{2AD22C76-D048-4799-969B-29D5448DC1B9}" presName="rect2" presStyleLbl="fgImgPlace1" presStyleIdx="2" presStyleCnt="3"/>
+      <dgm:spPr>
+        <a:blipFill>
+          <a:blip xmlns:r="http://schemas.openxmlformats.org/officeDocument/2006/relationships" r:embed="rId3">
+            <a:extLst>
+              <a:ext uri="{28A0092B-C50C-407E-A947-70E740481C1C}">
+                <a14:useLocalDpi xmlns:a14="http://schemas.microsoft.com/office/drawing/2010/main" val="0"/>
+              </a:ext>
+            </a:extLst>
+          </a:blip>
+          <a:srcRect/>
+          <a:stretch>
+            <a:fillRect l="-25000" r="-25000"/>
+          </a:stretch>
+        </a:blipFill>
+      </dgm:spPr>
+      <dgm:t>
+        <a:bodyPr/>
+        <a:lstStyle/>
+        <a:p>
+          <a:endParaRPr lang="en-US"/>
+        </a:p>
+      </dgm:t>
     </dgm:pt>
   </dgm:ptLst>
   <dgm:cxnLst>
+    <dgm:cxn modelId="{1A8A81B5-B3D2-400E-BA78-BC1E1FCEB9A3}" type="presOf" srcId="{8B7E5F79-0A9E-4878-8BD8-CCC7B1EB4A29}" destId="{A1720E84-3BC0-4F19-944F-1AE5DFB3D66E}" srcOrd="0" destOrd="0" presId="urn:microsoft.com/office/officeart/2008/layout/PictureStrips"/>
+    <dgm:cxn modelId="{E9D77401-8819-43CE-9EFF-9F6C7E19B2B1}" type="presOf" srcId="{6E36731A-BABB-4BC5-8885-2755F9701CF3}" destId="{B289A356-FE39-47ED-BB52-2F8CC40EB54B}" srcOrd="0" destOrd="0" presId="urn:microsoft.com/office/officeart/2008/layout/PictureStrips"/>
+    <dgm:cxn modelId="{18CE7C0F-3887-4526-B121-73AEADD79B61}" srcId="{8B7E5F79-0A9E-4878-8BD8-CCC7B1EB4A29}" destId="{2AD22C76-D048-4799-969B-29D5448DC1B9}" srcOrd="2" destOrd="0" parTransId="{B856EC74-5923-4928-8B90-112927FA1FF8}" sibTransId="{289A3E40-98C1-4F9F-B3CA-7C964BEADC29}"/>
     <dgm:cxn modelId="{FDDF44FB-1C13-43F8-8B7F-856FE25A6B64}" srcId="{8B7E5F79-0A9E-4878-8BD8-CCC7B1EB4A29}" destId="{6E36731A-BABB-4BC5-8885-2755F9701CF3}" srcOrd="1" destOrd="0" parTransId="{164D9F7F-7FB8-4299-8F64-DF74348488EF}" sibTransId="{318E85FB-D67A-4E7D-BBEF-3BE719356DA9}"/>
-    <dgm:cxn modelId="{E9D77401-8819-43CE-9EFF-9F6C7E19B2B1}" type="presOf" srcId="{6E36731A-BABB-4BC5-8885-2755F9701CF3}" destId="{B289A356-FE39-47ED-BB52-2F8CC40EB54B}" srcOrd="0" destOrd="0" presId="urn:microsoft.com/office/officeart/2008/layout/PictureStrips"/>
-    <dgm:cxn modelId="{1A8A81B5-B3D2-400E-BA78-BC1E1FCEB9A3}" type="presOf" srcId="{8B7E5F79-0A9E-4878-8BD8-CCC7B1EB4A29}" destId="{A1720E84-3BC0-4F19-944F-1AE5DFB3D66E}" srcOrd="0" destOrd="0" presId="urn:microsoft.com/office/officeart/2008/layout/PictureStrips"/>
+    <dgm:cxn modelId="{BCCDD84C-A48A-4004-8FAA-7E49077D10F4}" type="presOf" srcId="{2AD22C76-D048-4799-969B-29D5448DC1B9}" destId="{D9A904C1-E1C3-4371-BE78-9DC3909244BF}" srcOrd="0" destOrd="0" presId="urn:microsoft.com/office/officeart/2008/layout/PictureStrips"/>
+    <dgm:cxn modelId="{11C50C62-4FCE-47D5-B4CF-2C0C2AB8375D}" srcId="{8B7E5F79-0A9E-4878-8BD8-CCC7B1EB4A29}" destId="{6C48A404-2A3A-41E9-9551-8F4435666C27}" srcOrd="0" destOrd="0" parTransId="{A5330F8F-9988-4C00-80C1-103E053A62EA}" sibTransId="{41EDF22C-EA53-4F09-ADDE-88EFF27DD7B2}"/>
     <dgm:cxn modelId="{7B88B215-C61E-4C40-AF05-D7EC5D62CE4C}" type="presOf" srcId="{6C48A404-2A3A-41E9-9551-8F4435666C27}" destId="{7E7AB9D8-99CC-4DBB-BA44-73B391D36B9E}" srcOrd="0" destOrd="0" presId="urn:microsoft.com/office/officeart/2008/layout/PictureStrips"/>
-    <dgm:cxn modelId="{11C50C62-4FCE-47D5-B4CF-2C0C2AB8375D}" srcId="{8B7E5F79-0A9E-4878-8BD8-CCC7B1EB4A29}" destId="{6C48A404-2A3A-41E9-9551-8F4435666C27}" srcOrd="0" destOrd="0" parTransId="{A5330F8F-9988-4C00-80C1-103E053A62EA}" sibTransId="{41EDF22C-EA53-4F09-ADDE-88EFF27DD7B2}"/>
     <dgm:cxn modelId="{A62CB844-CEB4-479B-A435-AD286C43BC62}" type="presParOf" srcId="{A1720E84-3BC0-4F19-944F-1AE5DFB3D66E}" destId="{2A51146D-EE18-4929-8268-A6A5BA2DC20C}" srcOrd="0" destOrd="0" presId="urn:microsoft.com/office/officeart/2008/layout/PictureStrips"/>
     <dgm:cxn modelId="{69467D8D-EB22-4EEE-866C-F8929DF03B3E}" type="presParOf" srcId="{2A51146D-EE18-4929-8268-A6A5BA2DC20C}" destId="{7E7AB9D8-99CC-4DBB-BA44-73B391D36B9E}" srcOrd="0" destOrd="0" presId="urn:microsoft.com/office/officeart/2008/layout/PictureStrips"/>
     <dgm:cxn modelId="{DEE94FAF-4DA9-4624-80D0-803648082CC1}" type="presParOf" srcId="{2A51146D-EE18-4929-8268-A6A5BA2DC20C}" destId="{44792CB7-8371-4135-AD15-B12EBD420003}" srcOrd="1" destOrd="0" presId="urn:microsoft.com/office/officeart/2008/layout/PictureStrips"/>
@@ -1029,6 +1151,10 @@
     <dgm:cxn modelId="{D5800BDB-6800-4915-A161-5C1D7DF778C5}" type="presParOf" srcId="{A1720E84-3BC0-4F19-944F-1AE5DFB3D66E}" destId="{25D1A872-92C7-4867-A789-38CAA67C2FDC}" srcOrd="2" destOrd="0" presId="urn:microsoft.com/office/officeart/2008/layout/PictureStrips"/>
     <dgm:cxn modelId="{F8810D48-15BD-47B7-85BA-977633E30807}" type="presParOf" srcId="{25D1A872-92C7-4867-A789-38CAA67C2FDC}" destId="{B289A356-FE39-47ED-BB52-2F8CC40EB54B}" srcOrd="0" destOrd="0" presId="urn:microsoft.com/office/officeart/2008/layout/PictureStrips"/>
     <dgm:cxn modelId="{EB28CD5C-EFE6-4899-BA7A-1444BF3C7A96}" type="presParOf" srcId="{25D1A872-92C7-4867-A789-38CAA67C2FDC}" destId="{6973D5E7-EF2D-4AD8-9D7E-BABA122939BD}" srcOrd="1" destOrd="0" presId="urn:microsoft.com/office/officeart/2008/layout/PictureStrips"/>
+    <dgm:cxn modelId="{98795BD3-DCD1-4664-A87A-6320F90648A5}" type="presParOf" srcId="{A1720E84-3BC0-4F19-944F-1AE5DFB3D66E}" destId="{B41CACB0-B670-4C81-AFA5-52DA8F9F2FC6}" srcOrd="3" destOrd="0" presId="urn:microsoft.com/office/officeart/2008/layout/PictureStrips"/>
+    <dgm:cxn modelId="{5C1D0014-8CC1-48AE-9266-060C93598C08}" type="presParOf" srcId="{A1720E84-3BC0-4F19-944F-1AE5DFB3D66E}" destId="{FA01C431-2C88-4AD3-AA8B-98CE287A77DF}" srcOrd="4" destOrd="0" presId="urn:microsoft.com/office/officeart/2008/layout/PictureStrips"/>
+    <dgm:cxn modelId="{708A06CE-3E4E-4BAD-ABCB-0F64A0D1893D}" type="presParOf" srcId="{FA01C431-2C88-4AD3-AA8B-98CE287A77DF}" destId="{D9A904C1-E1C3-4371-BE78-9DC3909244BF}" srcOrd="0" destOrd="0" presId="urn:microsoft.com/office/officeart/2008/layout/PictureStrips"/>
+    <dgm:cxn modelId="{5E76C815-300D-488B-B15C-75249298FAB8}" type="presParOf" srcId="{FA01C431-2C88-4AD3-AA8B-98CE287A77DF}" destId="{F7720D7A-E5C7-4DAF-82BA-B43BECB5DE65}" srcOrd="1" destOrd="0" presId="urn:microsoft.com/office/officeart/2008/layout/PictureStrips"/>
   </dgm:cxnLst>
   <dgm:bg/>
   <dgm:whole/>
@@ -2462,7 +2588,7 @@
           <a:p>
             <a:fld id="{C747211F-258E-46ED-BA6A-514D91012CD2}" type="datetimeFigureOut">
               <a:rPr lang="en-US" smtClean="0"/>
-              <a:t>2/21/2019</a:t>
+              <a:t>2/25/2019</a:t>
             </a:fld>
             <a:endParaRPr lang="en-US"/>
           </a:p>
@@ -2632,7 +2758,7 @@
           <a:p>
             <a:fld id="{C747211F-258E-46ED-BA6A-514D91012CD2}" type="datetimeFigureOut">
               <a:rPr lang="en-US" smtClean="0"/>
-              <a:t>2/21/2019</a:t>
+              <a:t>2/25/2019</a:t>
             </a:fld>
             <a:endParaRPr lang="en-US"/>
           </a:p>
@@ -2812,7 +2938,7 @@
           <a:p>
             <a:fld id="{C747211F-258E-46ED-BA6A-514D91012CD2}" type="datetimeFigureOut">
               <a:rPr lang="en-US" smtClean="0"/>
-              <a:t>2/21/2019</a:t>
+              <a:t>2/25/2019</a:t>
             </a:fld>
             <a:endParaRPr lang="en-US"/>
           </a:p>
@@ -2982,7 +3108,7 @@
           <a:p>
             <a:fld id="{C747211F-258E-46ED-BA6A-514D91012CD2}" type="datetimeFigureOut">
               <a:rPr lang="en-US" smtClean="0"/>
-              <a:t>2/21/2019</a:t>
+              <a:t>2/25/2019</a:t>
             </a:fld>
             <a:endParaRPr lang="en-US"/>
           </a:p>
@@ -3228,7 +3354,7 @@
           <a:p>
             <a:fld id="{C747211F-258E-46ED-BA6A-514D91012CD2}" type="datetimeFigureOut">
               <a:rPr lang="en-US" smtClean="0"/>
-              <a:t>2/21/2019</a:t>
+              <a:t>2/25/2019</a:t>
             </a:fld>
             <a:endParaRPr lang="en-US"/>
           </a:p>
@@ -3516,7 +3642,7 @@
           <a:p>
             <a:fld id="{C747211F-258E-46ED-BA6A-514D91012CD2}" type="datetimeFigureOut">
               <a:rPr lang="en-US" smtClean="0"/>
-              <a:t>2/21/2019</a:t>
+              <a:t>2/25/2019</a:t>
             </a:fld>
             <a:endParaRPr lang="en-US"/>
           </a:p>
@@ -3938,7 +4064,7 @@
           <a:p>
             <a:fld id="{C747211F-258E-46ED-BA6A-514D91012CD2}" type="datetimeFigureOut">
               <a:rPr lang="en-US" smtClean="0"/>
-              <a:t>2/21/2019</a:t>
+              <a:t>2/25/2019</a:t>
             </a:fld>
             <a:endParaRPr lang="en-US"/>
           </a:p>
@@ -4056,7 +4182,7 @@
           <a:p>
             <a:fld id="{C747211F-258E-46ED-BA6A-514D91012CD2}" type="datetimeFigureOut">
               <a:rPr lang="en-US" smtClean="0"/>
-              <a:t>2/21/2019</a:t>
+              <a:t>2/25/2019</a:t>
             </a:fld>
             <a:endParaRPr lang="en-US"/>
           </a:p>
@@ -4151,7 +4277,7 @@
           <a:p>
             <a:fld id="{C747211F-258E-46ED-BA6A-514D91012CD2}" type="datetimeFigureOut">
               <a:rPr lang="en-US" smtClean="0"/>
-              <a:t>2/21/2019</a:t>
+              <a:t>2/25/2019</a:t>
             </a:fld>
             <a:endParaRPr lang="en-US"/>
           </a:p>
@@ -4428,7 +4554,7 @@
           <a:p>
             <a:fld id="{C747211F-258E-46ED-BA6A-514D91012CD2}" type="datetimeFigureOut">
               <a:rPr lang="en-US" smtClean="0"/>
-              <a:t>2/21/2019</a:t>
+              <a:t>2/25/2019</a:t>
             </a:fld>
             <a:endParaRPr lang="en-US"/>
           </a:p>
@@ -4681,7 +4807,7 @@
           <a:p>
             <a:fld id="{C747211F-258E-46ED-BA6A-514D91012CD2}" type="datetimeFigureOut">
               <a:rPr lang="en-US" smtClean="0"/>
-              <a:t>2/21/2019</a:t>
+              <a:t>2/25/2019</a:t>
             </a:fld>
             <a:endParaRPr lang="en-US"/>
           </a:p>
@@ -4894,7 +5020,7 @@
           <a:p>
             <a:fld id="{C747211F-258E-46ED-BA6A-514D91012CD2}" type="datetimeFigureOut">
               <a:rPr lang="en-US" smtClean="0"/>
-              <a:t>2/21/2019</a:t>
+              <a:t>2/25/2019</a:t>
             </a:fld>
             <a:endParaRPr lang="en-US"/>
           </a:p>
@@ -5276,7 +5402,7 @@
           <p:nvPr>
             <p:extLst>
               <p:ext uri="{D42A27DB-BD31-4B8C-83A1-F6EECF244321}">
-                <p14:modId xmlns:p14="http://schemas.microsoft.com/office/powerpoint/2010/main" val="3323188398"/>
+                <p14:modId xmlns:p14="http://schemas.microsoft.com/office/powerpoint/2010/main" val="3740072615"/>
               </p:ext>
             </p:extLst>
           </p:nvPr>

--- a/sd/qa/unit/data/pptx/smartart-picture-strip.pptx
+++ b/sd/qa/unit/data/pptx/smartart-picture-strip.pptx
@@ -2588,7 +2588,7 @@
           <a:p>
             <a:fld id="{C747211F-258E-46ED-BA6A-514D91012CD2}" type="datetimeFigureOut">
               <a:rPr lang="en-US" smtClean="0"/>
-              <a:t>2/25/2019</a:t>
+              <a:t>2/26/2019</a:t>
             </a:fld>
             <a:endParaRPr lang="en-US"/>
           </a:p>
@@ -2758,7 +2758,7 @@
           <a:p>
             <a:fld id="{C747211F-258E-46ED-BA6A-514D91012CD2}" type="datetimeFigureOut">
               <a:rPr lang="en-US" smtClean="0"/>
-              <a:t>2/25/2019</a:t>
+              <a:t>2/26/2019</a:t>
             </a:fld>
             <a:endParaRPr lang="en-US"/>
           </a:p>
@@ -2938,7 +2938,7 @@
           <a:p>
             <a:fld id="{C747211F-258E-46ED-BA6A-514D91012CD2}" type="datetimeFigureOut">
               <a:rPr lang="en-US" smtClean="0"/>
-              <a:t>2/25/2019</a:t>
+              <a:t>2/26/2019</a:t>
             </a:fld>
             <a:endParaRPr lang="en-US"/>
           </a:p>
@@ -3108,7 +3108,7 @@
           <a:p>
             <a:fld id="{C747211F-258E-46ED-BA6A-514D91012CD2}" type="datetimeFigureOut">
               <a:rPr lang="en-US" smtClean="0"/>
-              <a:t>2/25/2019</a:t>
+              <a:t>2/26/2019</a:t>
             </a:fld>
             <a:endParaRPr lang="en-US"/>
           </a:p>
@@ -3354,7 +3354,7 @@
           <a:p>
             <a:fld id="{C747211F-258E-46ED-BA6A-514D91012CD2}" type="datetimeFigureOut">
               <a:rPr lang="en-US" smtClean="0"/>
-              <a:t>2/25/2019</a:t>
+              <a:t>2/26/2019</a:t>
             </a:fld>
             <a:endParaRPr lang="en-US"/>
           </a:p>
@@ -3642,7 +3642,7 @@
           <a:p>
             <a:fld id="{C747211F-258E-46ED-BA6A-514D91012CD2}" type="datetimeFigureOut">
               <a:rPr lang="en-US" smtClean="0"/>
-              <a:t>2/25/2019</a:t>
+              <a:t>2/26/2019</a:t>
             </a:fld>
             <a:endParaRPr lang="en-US"/>
           </a:p>
@@ -4064,7 +4064,7 @@
           <a:p>
             <a:fld id="{C747211F-258E-46ED-BA6A-514D91012CD2}" type="datetimeFigureOut">
               <a:rPr lang="en-US" smtClean="0"/>
-              <a:t>2/25/2019</a:t>
+              <a:t>2/26/2019</a:t>
             </a:fld>
             <a:endParaRPr lang="en-US"/>
           </a:p>
@@ -4182,7 +4182,7 @@
           <a:p>
             <a:fld id="{C747211F-258E-46ED-BA6A-514D91012CD2}" type="datetimeFigureOut">
               <a:rPr lang="en-US" smtClean="0"/>
-              <a:t>2/25/2019</a:t>
+              <a:t>2/26/2019</a:t>
             </a:fld>
             <a:endParaRPr lang="en-US"/>
           </a:p>
@@ -4277,7 +4277,7 @@
           <a:p>
             <a:fld id="{C747211F-258E-46ED-BA6A-514D91012CD2}" type="datetimeFigureOut">
               <a:rPr lang="en-US" smtClean="0"/>
-              <a:t>2/25/2019</a:t>
+              <a:t>2/26/2019</a:t>
             </a:fld>
             <a:endParaRPr lang="en-US"/>
           </a:p>
@@ -4554,7 +4554,7 @@
           <a:p>
             <a:fld id="{C747211F-258E-46ED-BA6A-514D91012CD2}" type="datetimeFigureOut">
               <a:rPr lang="en-US" smtClean="0"/>
-              <a:t>2/25/2019</a:t>
+              <a:t>2/26/2019</a:t>
             </a:fld>
             <a:endParaRPr lang="en-US"/>
           </a:p>
@@ -4807,7 +4807,7 @@
           <a:p>
             <a:fld id="{C747211F-258E-46ED-BA6A-514D91012CD2}" type="datetimeFigureOut">
               <a:rPr lang="en-US" smtClean="0"/>
-              <a:t>2/25/2019</a:t>
+              <a:t>2/26/2019</a:t>
             </a:fld>
             <a:endParaRPr lang="en-US"/>
           </a:p>
@@ -5020,7 +5020,7 @@
           <a:p>
             <a:fld id="{C747211F-258E-46ED-BA6A-514D91012CD2}" type="datetimeFigureOut">
               <a:rPr lang="en-US" smtClean="0"/>
-              <a:t>2/25/2019</a:t>
+              <a:t>2/26/2019</a:t>
             </a:fld>
             <a:endParaRPr lang="en-US"/>
           </a:p>
@@ -5402,14 +5402,14 @@
           <p:nvPr>
             <p:extLst>
               <p:ext uri="{D42A27DB-BD31-4B8C-83A1-F6EECF244321}">
-                <p14:modId xmlns:p14="http://schemas.microsoft.com/office/powerpoint/2010/main" val="3740072615"/>
+                <p14:modId xmlns:p14="http://schemas.microsoft.com/office/powerpoint/2010/main" val="1767513266"/>
               </p:ext>
             </p:extLst>
           </p:nvPr>
         </p:nvGraphicFramePr>
         <p:xfrm>
-          <a:off x="1524000" y="1397000"/>
-          <a:ext cx="6096000" cy="4064000"/>
+          <a:off x="2419200" y="835200"/>
+          <a:ext cx="6096000" cy="5418000"/>
         </p:xfrm>
         <a:graphic>
           <a:graphicData uri="http://schemas.openxmlformats.org/drawingml/2006/diagram">
@@ -5417,6 +5417,46 @@
           </a:graphicData>
         </a:graphic>
       </p:graphicFrame>
+      <p:sp>
+        <p:nvSpPr>
+          <p:cNvPr id="2" name="TextBox 1"/>
+          <p:cNvSpPr txBox="1"/>
+          <p:nvPr/>
+        </p:nvSpPr>
+        <p:spPr>
+          <a:xfrm>
+            <a:off x="457200" y="273600"/>
+            <a:ext cx="8229600" cy="1144800"/>
+          </a:xfrm>
+          <a:prstGeom prst="rect">
+            <a:avLst/>
+          </a:prstGeom>
+          <a:noFill/>
+        </p:spPr>
+        <p:txBody>
+          <a:bodyPr wrap="none" rtlCol="0">
+            <a:spAutoFit/>
+          </a:bodyPr>
+          <a:lstStyle/>
+          <a:p>
+            <a:r>
+              <a:rPr lang="en-US" sz="4400" dirty="0" smtClean="0">
+                <a:latin typeface="+mj-lt"/>
+              </a:rPr>
+              <a:t>Foo Bar </a:t>
+            </a:r>
+            <a:r>
+              <a:rPr lang="en-US" sz="4400" dirty="0" err="1" smtClean="0">
+                <a:latin typeface="+mj-lt"/>
+              </a:rPr>
+              <a:t>Baz Blah</a:t>
+            </a:r>
+            <a:endParaRPr lang="en-US" sz="4400" dirty="0">
+              <a:latin typeface="+mj-lt"/>
+            </a:endParaRPr>
+          </a:p>
+        </p:txBody>
+      </p:sp>
     </p:spTree>
     <p:extLst>
       <p:ext uri="{BB962C8B-B14F-4D97-AF65-F5344CB8AC3E}">
